--- a/DISA.pptx
+++ b/DISA.pptx
@@ -6212,8 +6212,12 @@
           <a:lstStyle/>
           <a:p>
             <a:r>
+              <a:rPr lang="en-US" smtClean="0"/>
+              <a:t>At </a:t>
+            </a:r>
+            <a:r>
               <a:rPr lang="en-US" dirty="0" smtClean="0"/>
-              <a:t>AT the end of project.</a:t>
+              <a:t>the end of project.</a:t>
             </a:r>
             <a:endParaRPr lang="en-US" dirty="0"/>
           </a:p>

--- a/DISA.pptx
+++ b/DISA.pptx
@@ -5795,7 +5795,7 @@
           <a:bodyPr/>
           <a:lstStyle/>
           <a:p>
-            <a:endParaRPr lang="en-US"/>
+            <a:endParaRPr lang="en-US" dirty="0"/>
           </a:p>
         </p:txBody>
       </p:sp>
@@ -5985,7 +5985,7 @@
         <p:spPr>
           <a:xfrm>
             <a:off x="735523" y="1528822"/>
-            <a:ext cx="8596668" cy="3880773"/>
+            <a:ext cx="9015306" cy="5212800"/>
           </a:xfrm>
         </p:spPr>
         <p:txBody>
@@ -6003,8 +6003,12 @@
               <a:buChar char="v"/>
             </a:pPr>
             <a:r>
+              <a:rPr lang="en-US" dirty="0"/>
+              <a:t>E</a:t>
+            </a:r>
+            <a:r>
               <a:rPr lang="en-US" dirty="0" smtClean="0"/>
-              <a:t>Our product will be one of a kind. It would employ the usage of extendable arms which won’t require any power sources. It would be light and far more work as well as health friendly. To use it you wont need flat surface</a:t>
+              <a:t>xtendable arms </a:t>
             </a:r>
           </a:p>
           <a:p>
@@ -6014,7 +6018,7 @@
             </a:pPr>
             <a:r>
               <a:rPr lang="en-US" dirty="0" smtClean="0"/>
-              <a:t>Different sizes of the dome would  ensure that all kinds of work-pieces can be worked upon.</a:t>
+              <a:t> won’t require any power sources. </a:t>
             </a:r>
           </a:p>
           <a:p>
@@ -6024,8 +6028,9 @@
             </a:pPr>
             <a:r>
               <a:rPr lang="en-US" dirty="0" smtClean="0"/>
-              <a:t>The structure are foldable ,so portable </a:t>
-            </a:r>
+              <a:t>It would be light</a:t>
+            </a:r>
+            <a:endParaRPr lang="en-US" dirty="0"/>
           </a:p>
           <a:p>
             <a:pPr>
@@ -6034,6 +6039,36 @@
             </a:pPr>
             <a:r>
               <a:rPr lang="en-US" dirty="0" smtClean="0"/>
+              <a:t>To use it you wont need flat surface</a:t>
+            </a:r>
+          </a:p>
+          <a:p>
+            <a:pPr>
+              <a:buFont typeface="Wingdings" panose="05000000000000000000" pitchFamily="2" charset="2"/>
+              <a:buChar char="v"/>
+            </a:pPr>
+            <a:r>
+              <a:rPr lang="en-US" dirty="0" smtClean="0"/>
+              <a:t>Different sizes of the dome would  ensure that all kinds of work-pieces can be worked upon.</a:t>
+            </a:r>
+          </a:p>
+          <a:p>
+            <a:pPr>
+              <a:buFont typeface="Wingdings" panose="05000000000000000000" pitchFamily="2" charset="2"/>
+              <a:buChar char="v"/>
+            </a:pPr>
+            <a:r>
+              <a:rPr lang="en-US" dirty="0" smtClean="0"/>
+              <a:t>The structure are foldable, so portable </a:t>
+            </a:r>
+          </a:p>
+          <a:p>
+            <a:pPr>
+              <a:buFont typeface="Wingdings" panose="05000000000000000000" pitchFamily="2" charset="2"/>
+              <a:buChar char="v"/>
+            </a:pPr>
+            <a:r>
+              <a:rPr lang="en-US" dirty="0" smtClean="0"/>
               <a:t>Unlike the masks we would ensure more than 98% containment of gases. </a:t>
             </a:r>
           </a:p>
@@ -6042,6 +6077,12 @@
               <a:rPr lang="en-US" dirty="0" smtClean="0"/>
               <a:t>Existing techniques (comparison)</a:t>
             </a:r>
+          </a:p>
+          <a:p>
+            <a:pPr marL="0" indent="0">
+              <a:buNone/>
+            </a:pPr>
+            <a:endParaRPr lang="en-US" dirty="0" smtClean="0"/>
           </a:p>
           <a:p>
             <a:endParaRPr lang="en-US" dirty="0"/>
@@ -6212,12 +6253,8 @@
           <a:lstStyle/>
           <a:p>
             <a:r>
-              <a:rPr lang="en-US" smtClean="0"/>
-              <a:t>At </a:t>
-            </a:r>
-            <a:r>
               <a:rPr lang="en-US" dirty="0" smtClean="0"/>
-              <a:t>the end of project.</a:t>
+              <a:t>At the end of project.</a:t>
             </a:r>
             <a:endParaRPr lang="en-US" dirty="0"/>
           </a:p>

--- a/DISA.pptx
+++ b/DISA.pptx
@@ -837,7 +837,7 @@
             <a:fld id="{B61BEF0D-F0BB-DE4B-95CE-6DB70DBA9567}" type="datetimeFigureOut">
               <a:rPr lang="en-US" dirty="0"/>
               <a:pPr/>
-              <a:t>4/15/2019</a:t>
+              <a:t>4/16/2019</a:t>
             </a:fld>
             <a:endParaRPr lang="en-US" dirty="0"/>
           </a:p>
@@ -1085,7 +1085,7 @@
             <a:fld id="{B61BEF0D-F0BB-DE4B-95CE-6DB70DBA9567}" type="datetimeFigureOut">
               <a:rPr lang="en-US" dirty="0"/>
               <a:pPr/>
-              <a:t>4/15/2019</a:t>
+              <a:t>4/16/2019</a:t>
             </a:fld>
             <a:endParaRPr lang="en-US" dirty="0"/>
           </a:p>
@@ -1396,7 +1396,7 @@
             <a:fld id="{B61BEF0D-F0BB-DE4B-95CE-6DB70DBA9567}" type="datetimeFigureOut">
               <a:rPr lang="en-US" dirty="0"/>
               <a:pPr/>
-              <a:t>4/15/2019</a:t>
+              <a:t>4/16/2019</a:t>
             </a:fld>
             <a:endParaRPr lang="en-US" dirty="0"/>
           </a:p>
@@ -1720,7 +1720,7 @@
             <a:fld id="{B61BEF0D-F0BB-DE4B-95CE-6DB70DBA9567}" type="datetimeFigureOut">
               <a:rPr lang="en-US" dirty="0"/>
               <a:pPr/>
-              <a:t>4/15/2019</a:t>
+              <a:t>4/16/2019</a:t>
             </a:fld>
             <a:endParaRPr lang="en-US" dirty="0"/>
           </a:p>
@@ -2031,7 +2031,7 @@
             <a:fld id="{B61BEF0D-F0BB-DE4B-95CE-6DB70DBA9567}" type="datetimeFigureOut">
               <a:rPr lang="en-US" dirty="0"/>
               <a:pPr/>
-              <a:t>4/15/2019</a:t>
+              <a:t>4/16/2019</a:t>
             </a:fld>
             <a:endParaRPr lang="en-US" dirty="0"/>
           </a:p>
@@ -2415,7 +2415,7 @@
             <a:fld id="{B61BEF0D-F0BB-DE4B-95CE-6DB70DBA9567}" type="datetimeFigureOut">
               <a:rPr lang="en-US" dirty="0"/>
               <a:pPr/>
-              <a:t>4/15/2019</a:t>
+              <a:t>4/16/2019</a:t>
             </a:fld>
             <a:endParaRPr lang="en-US" dirty="0"/>
           </a:p>
@@ -2581,7 +2581,8 @@
           <a:p>
             <a:fld id="{55C6B4A9-1611-4792-9094-5F34BCA07E0B}" type="datetimeFigureOut">
               <a:rPr lang="en-US" dirty="0"/>
-              <a:t>4/15/2019</a:t>
+              <a:pPr/>
+              <a:t>4/16/2019</a:t>
             </a:fld>
             <a:endParaRPr lang="en-US" dirty="0"/>
           </a:p>
@@ -2623,6 +2624,7 @@
           <a:p>
             <a:fld id="{89333C77-0158-454C-844F-B7AB9BD7DAD4}" type="slidenum">
               <a:rPr lang="en-US" dirty="0"/>
+              <a:pPr/>
               <a:t>‹#›</a:t>
             </a:fld>
             <a:endParaRPr lang="en-US" dirty="0"/>
@@ -2757,7 +2759,7 @@
             <a:fld id="{B61BEF0D-F0BB-DE4B-95CE-6DB70DBA9567}" type="datetimeFigureOut">
               <a:rPr lang="en-US" dirty="0"/>
               <a:pPr/>
-              <a:t>4/15/2019</a:t>
+              <a:t>4/16/2019</a:t>
             </a:fld>
             <a:endParaRPr lang="en-US" dirty="0"/>
           </a:p>
@@ -2930,7 +2932,7 @@
             <a:fld id="{B61BEF0D-F0BB-DE4B-95CE-6DB70DBA9567}" type="datetimeFigureOut">
               <a:rPr lang="en-US" dirty="0"/>
               <a:pPr/>
-              <a:t>4/15/2019</a:t>
+              <a:t>4/16/2019</a:t>
             </a:fld>
             <a:endParaRPr lang="en-US" dirty="0"/>
           </a:p>
@@ -3174,7 +3176,7 @@
             <a:fld id="{B61BEF0D-F0BB-DE4B-95CE-6DB70DBA9567}" type="datetimeFigureOut">
               <a:rPr lang="en-US" dirty="0"/>
               <a:pPr/>
-              <a:t>4/15/2019</a:t>
+              <a:t>4/16/2019</a:t>
             </a:fld>
             <a:endParaRPr lang="en-US" dirty="0"/>
           </a:p>
@@ -3402,7 +3404,8 @@
           <a:p>
             <a:fld id="{EB712588-04B1-427B-82EE-E8DB90309F08}" type="datetimeFigureOut">
               <a:rPr lang="en-US" dirty="0"/>
-              <a:t>4/15/2019</a:t>
+              <a:pPr/>
+              <a:t>4/16/2019</a:t>
             </a:fld>
             <a:endParaRPr lang="en-US" dirty="0"/>
           </a:p>
@@ -3444,6 +3447,7 @@
           <a:p>
             <a:fld id="{6FF9F0C5-380F-41C2-899A-BAC0F0927E16}" type="slidenum">
               <a:rPr lang="en-US" dirty="0"/>
+              <a:pPr/>
               <a:t>‹#›</a:t>
             </a:fld>
             <a:endParaRPr lang="en-US" dirty="0"/>
@@ -3772,7 +3776,7 @@
             <a:fld id="{B61BEF0D-F0BB-DE4B-95CE-6DB70DBA9567}" type="datetimeFigureOut">
               <a:rPr lang="en-US" dirty="0"/>
               <a:pPr/>
-              <a:t>4/15/2019</a:t>
+              <a:t>4/16/2019</a:t>
             </a:fld>
             <a:endParaRPr lang="en-US" dirty="0"/>
           </a:p>
@@ -3892,7 +3896,7 @@
             <a:fld id="{B61BEF0D-F0BB-DE4B-95CE-6DB70DBA9567}" type="datetimeFigureOut">
               <a:rPr lang="en-US" dirty="0"/>
               <a:pPr/>
-              <a:t>4/15/2019</a:t>
+              <a:t>4/16/2019</a:t>
             </a:fld>
             <a:endParaRPr lang="en-US" dirty="0"/>
           </a:p>
@@ -3984,7 +3988,7 @@
             <a:fld id="{B61BEF0D-F0BB-DE4B-95CE-6DB70DBA9567}" type="datetimeFigureOut">
               <a:rPr lang="en-US" dirty="0"/>
               <a:pPr/>
-              <a:t>4/15/2019</a:t>
+              <a:t>4/16/2019</a:t>
             </a:fld>
             <a:endParaRPr lang="en-US" dirty="0"/>
           </a:p>
@@ -4235,7 +4239,8 @@
           <a:p>
             <a:fld id="{42A54C80-263E-416B-A8E0-580EDEADCBDC}" type="datetimeFigureOut">
               <a:rPr lang="en-US" dirty="0"/>
-              <a:t>4/15/2019</a:t>
+              <a:pPr/>
+              <a:t>4/16/2019</a:t>
             </a:fld>
             <a:endParaRPr lang="en-US" dirty="0"/>
           </a:p>
@@ -4277,6 +4282,7 @@
           <a:p>
             <a:fld id="{519954A3-9DFD-4C44-94BA-B95130A3BA1C}" type="slidenum">
               <a:rPr lang="en-US" dirty="0"/>
+              <a:pPr/>
               <a:t>‹#›</a:t>
             </a:fld>
             <a:endParaRPr lang="en-US" dirty="0"/>
@@ -4494,7 +4500,7 @@
             <a:fld id="{B61BEF0D-F0BB-DE4B-95CE-6DB70DBA9567}" type="datetimeFigureOut">
               <a:rPr lang="en-US" dirty="0"/>
               <a:pPr/>
-              <a:t>4/15/2019</a:t>
+              <a:t>4/16/2019</a:t>
             </a:fld>
             <a:endParaRPr lang="en-US" dirty="0"/>
           </a:p>
@@ -5236,7 +5242,7 @@
             <a:fld id="{B61BEF0D-F0BB-DE4B-95CE-6DB70DBA9567}" type="datetimeFigureOut">
               <a:rPr lang="en-US" dirty="0"/>
               <a:pPr/>
-              <a:t>4/15/2019</a:t>
+              <a:t>4/16/2019</a:t>
             </a:fld>
             <a:endParaRPr lang="en-US" dirty="0"/>
           </a:p>
@@ -5802,7 +5808,7 @@
     </p:spTree>
     <p:extLst>
       <p:ext uri="{BB962C8B-B14F-4D97-AF65-F5344CB8AC3E}">
-        <p14:creationId xmlns:p14="http://schemas.microsoft.com/office/powerpoint/2010/main" val="2884547743"/>
+        <p14:creationId xmlns:p14="http://schemas.microsoft.com/office/powerpoint/2010/main" xmlns="" val="2884547743"/>
       </p:ext>
     </p:extLst>
   </p:cSld>
@@ -5839,16 +5845,23 @@
             <p:ph type="title"/>
           </p:nvPr>
         </p:nvSpPr>
-        <p:spPr/>
-        <p:txBody>
-          <a:bodyPr/>
-          <a:lstStyle/>
-          <a:p>
-            <a:r>
-              <a:rPr lang="en-US" dirty="0" smtClean="0"/>
+        <p:spPr>
+          <a:xfrm>
+            <a:off x="285448" y="243840"/>
+            <a:ext cx="7369386" cy="1193074"/>
+          </a:xfrm>
+        </p:spPr>
+        <p:txBody>
+          <a:bodyPr>
+            <a:noAutofit/>
+          </a:bodyPr>
+          <a:lstStyle/>
+          <a:p>
+            <a:r>
+              <a:rPr lang="en-US" sz="3200" dirty="0" smtClean="0"/>
               <a:t>WHAT IS THE NEED WE ARE TRYING TO ADDRESS?</a:t>
             </a:r>
-            <a:endParaRPr lang="en-US" dirty="0"/>
+            <a:endParaRPr lang="en-US" sz="3200" dirty="0"/>
           </a:p>
         </p:txBody>
       </p:sp>
@@ -5862,7 +5875,12 @@
             <p:ph idx="1"/>
           </p:nvPr>
         </p:nvSpPr>
-        <p:spPr/>
+        <p:spPr>
+          <a:xfrm>
+            <a:off x="272386" y="1541416"/>
+            <a:ext cx="7369386" cy="5316584"/>
+          </a:xfrm>
+        </p:spPr>
         <p:txBody>
           <a:bodyPr>
             <a:normAutofit/>
@@ -5870,54 +5888,148 @@
           <a:lstStyle/>
           <a:p>
             <a:r>
-              <a:rPr lang="en-US" dirty="0" smtClean="0"/>
+              <a:rPr lang="en-US" sz="2100" dirty="0" smtClean="0"/>
               <a:t>To stop the rapid advancement in the number of deaths among stone-quarry workers, caused by Silicosis.</a:t>
             </a:r>
-          </a:p>
-          <a:p>
-            <a:r>
-              <a:rPr lang="en-US" dirty="0"/>
+            <a:endParaRPr lang="en-US" sz="2100" dirty="0" smtClean="0"/>
+          </a:p>
+          <a:p>
+            <a:r>
+              <a:rPr lang="en-US" sz="2100" dirty="0"/>
               <a:t>N</a:t>
             </a:r>
             <a:r>
-              <a:rPr lang="en-US" dirty="0" smtClean="0"/>
+              <a:rPr lang="en-US" sz="2100" dirty="0" smtClean="0"/>
               <a:t>o </a:t>
             </a:r>
             <a:r>
-              <a:rPr lang="en-US" dirty="0"/>
-              <a:t>effective measures currently in place to prevent this dust from reaching their respiratory tracts. </a:t>
-            </a:r>
-          </a:p>
-          <a:p>
-            <a:r>
-              <a:rPr lang="en-US" dirty="0" smtClean="0"/>
-              <a:t>The </a:t>
-            </a:r>
-            <a:r>
-              <a:rPr lang="en-US" dirty="0"/>
-              <a:t>level of such pollutants was found to be much higher than the recommended threshold which is considered safe for humans. </a:t>
-            </a:r>
-            <a:endParaRPr lang="en-US" dirty="0" smtClean="0"/>
-          </a:p>
-          <a:p>
-            <a:r>
-              <a:rPr lang="en-US" dirty="0" smtClean="0"/>
-              <a:t>Prevent usage of water  and electricity in already underdeveloped, water prone areas.</a:t>
-            </a:r>
-          </a:p>
-          <a:p>
-            <a:r>
-              <a:rPr lang="en-US" dirty="0" smtClean="0"/>
-              <a:t>Economic feasibility.</a:t>
-            </a:r>
-            <a:endParaRPr lang="en-US" dirty="0"/>
-          </a:p>
-        </p:txBody>
-      </p:sp>
+              <a:rPr lang="en-US" sz="2100" dirty="0"/>
+              <a:t>effective measures </a:t>
+            </a:r>
+            <a:r>
+              <a:rPr lang="en-US" sz="2100" dirty="0" smtClean="0"/>
+              <a:t>are currently </a:t>
+            </a:r>
+            <a:r>
+              <a:rPr lang="en-US" sz="2100" dirty="0"/>
+              <a:t>in </a:t>
+            </a:r>
+            <a:r>
+              <a:rPr lang="en-US" sz="2100" dirty="0" smtClean="0"/>
+              <a:t>place </a:t>
+            </a:r>
+            <a:r>
+              <a:rPr lang="en-US" sz="2100" dirty="0"/>
+              <a:t>to prevent </a:t>
+            </a:r>
+            <a:r>
+              <a:rPr lang="en-US" sz="2100" dirty="0" smtClean="0"/>
+              <a:t>silica dust </a:t>
+            </a:r>
+            <a:r>
+              <a:rPr lang="en-US" sz="2100" dirty="0"/>
+              <a:t>from reaching </a:t>
+            </a:r>
+            <a:r>
+              <a:rPr lang="en-US" sz="2100" dirty="0" smtClean="0"/>
+              <a:t>the </a:t>
+            </a:r>
+            <a:r>
+              <a:rPr lang="en-US" sz="2100" dirty="0"/>
+              <a:t>respiratory </a:t>
+            </a:r>
+            <a:r>
+              <a:rPr lang="en-US" sz="2100" dirty="0" smtClean="0"/>
+              <a:t>tract. </a:t>
+            </a:r>
+            <a:endParaRPr lang="en-US" sz="2100" dirty="0"/>
+          </a:p>
+          <a:p>
+            <a:r>
+              <a:rPr lang="en-US" sz="2100" dirty="0" smtClean="0"/>
+              <a:t>To decrease the </a:t>
+            </a:r>
+            <a:r>
+              <a:rPr lang="en-US" sz="2100" dirty="0"/>
+              <a:t>level of </a:t>
+            </a:r>
+            <a:r>
+              <a:rPr lang="en-US" sz="2100" dirty="0" smtClean="0"/>
+              <a:t>particulate </a:t>
+            </a:r>
+            <a:r>
+              <a:rPr lang="en-US" sz="2100" dirty="0"/>
+              <a:t>pollutants </a:t>
+            </a:r>
+            <a:r>
+              <a:rPr lang="en-US" sz="2100" dirty="0" smtClean="0"/>
+              <a:t>which </a:t>
+            </a:r>
+            <a:r>
+              <a:rPr lang="en-US" sz="2100" dirty="0" smtClean="0"/>
+              <a:t>was </a:t>
+            </a:r>
+            <a:r>
+              <a:rPr lang="en-US" sz="2100" dirty="0"/>
+              <a:t>found to be much higher than the recommended threshold which </a:t>
+            </a:r>
+            <a:r>
+              <a:rPr lang="en-US" sz="2100" dirty="0" smtClean="0"/>
+              <a:t>is considered safe </a:t>
+            </a:r>
+            <a:r>
+              <a:rPr lang="en-US" sz="2100" dirty="0"/>
+              <a:t>for humans. </a:t>
+            </a:r>
+            <a:endParaRPr lang="en-US" sz="2100" dirty="0" smtClean="0"/>
+          </a:p>
+          <a:p>
+            <a:r>
+              <a:rPr lang="en-IN" sz="2100" dirty="0" smtClean="0"/>
+              <a:t>To not use water as a preventive measure against stone dust in our product, since it’s built to be used primarily in regions of water scarcity, where most of the stone-dust cutting takes place</a:t>
+            </a:r>
+          </a:p>
+          <a:p>
+            <a:r>
+              <a:rPr lang="en-IN" sz="2100" dirty="0" smtClean="0"/>
+              <a:t>To make the final product available to the workers at low cost so as to </a:t>
+            </a:r>
+            <a:r>
+              <a:rPr lang="en-IN" sz="2100" dirty="0" smtClean="0"/>
+              <a:t>improve its accessibility</a:t>
+            </a:r>
+            <a:endParaRPr lang="en-US" sz="2100" dirty="0" smtClean="0"/>
+          </a:p>
+        </p:txBody>
+      </p:sp>
+      <p:pic>
+        <p:nvPicPr>
+          <p:cNvPr id="4" name="Picture 3" descr="P_20180716_130441_vHDR_Auto.jpg"/>
+          <p:cNvPicPr>
+            <a:picLocks noChangeAspect="1"/>
+          </p:cNvPicPr>
+          <p:nvPr/>
+        </p:nvPicPr>
+        <p:blipFill>
+          <a:blip r:embed="rId2"/>
+          <a:stretch>
+            <a:fillRect/>
+          </a:stretch>
+        </p:blipFill>
+        <p:spPr>
+          <a:xfrm>
+            <a:off x="7798526" y="38250"/>
+            <a:ext cx="4232365" cy="6802768"/>
+          </a:xfrm>
+          <a:prstGeom prst="rect">
+            <a:avLst/>
+          </a:prstGeom>
+        </p:spPr>
+      </p:pic>
     </p:spTree>
     <p:extLst>
       <p:ext uri="{BB962C8B-B14F-4D97-AF65-F5344CB8AC3E}">
-        <p14:creationId xmlns:p14="http://schemas.microsoft.com/office/powerpoint/2010/main" val="1794283146"/>
+        <p14:creationId xmlns:p14="http://schemas.microsoft.com/office/powerpoint/2010/main" xmlns="" val="1794283146"/>
       </p:ext>
     </p:extLst>
   </p:cSld>
@@ -6092,7 +6204,7 @@
     </p:spTree>
     <p:extLst>
       <p:ext uri="{BB962C8B-B14F-4D97-AF65-F5344CB8AC3E}">
-        <p14:creationId xmlns:p14="http://schemas.microsoft.com/office/powerpoint/2010/main" val="462520709"/>
+        <p14:creationId xmlns:p14="http://schemas.microsoft.com/office/powerpoint/2010/main" xmlns="" val="462520709"/>
       </p:ext>
     </p:extLst>
   </p:cSld>
@@ -6205,7 +6317,7 @@
     </p:spTree>
     <p:extLst>
       <p:ext uri="{BB962C8B-B14F-4D97-AF65-F5344CB8AC3E}">
-        <p14:creationId xmlns:p14="http://schemas.microsoft.com/office/powerpoint/2010/main" val="2455544752"/>
+        <p14:creationId xmlns:p14="http://schemas.microsoft.com/office/powerpoint/2010/main" xmlns="" val="2455544752"/>
       </p:ext>
     </p:extLst>
   </p:cSld>
@@ -6305,14 +6417,13 @@
               <a:rPr lang="en-US" dirty="0"/>
               <a:t>Our product aims to have a wide applicability ranging from marble and sandstone cutting to all sorts of small scale manual labor involving hazardous particulate matter entering the atmosphere</a:t>
             </a:r>
-            <a:endParaRPr lang="en-US" dirty="0"/>
           </a:p>
         </p:txBody>
       </p:sp>
     </p:spTree>
     <p:extLst>
       <p:ext uri="{BB962C8B-B14F-4D97-AF65-F5344CB8AC3E}">
-        <p14:creationId xmlns:p14="http://schemas.microsoft.com/office/powerpoint/2010/main" val="1459761504"/>
+        <p14:creationId xmlns:p14="http://schemas.microsoft.com/office/powerpoint/2010/main" xmlns="" val="1459761504"/>
       </p:ext>
     </p:extLst>
   </p:cSld>
@@ -6410,7 +6521,7 @@
     </p:spTree>
     <p:extLst>
       <p:ext uri="{BB962C8B-B14F-4D97-AF65-F5344CB8AC3E}">
-        <p14:creationId xmlns:p14="http://schemas.microsoft.com/office/powerpoint/2010/main" val="1182073317"/>
+        <p14:creationId xmlns:p14="http://schemas.microsoft.com/office/powerpoint/2010/main" xmlns="" val="1182073317"/>
       </p:ext>
     </p:extLst>
   </p:cSld>
@@ -6463,7 +6574,7 @@
     </a:clrScheme>
     <a:fontScheme name="Facet">
       <a:majorFont>
-        <a:latin typeface="Trebuchet MS" panose="020B0603020202020204"/>
+        <a:latin typeface="Trebuchet MS"/>
         <a:ea typeface=""/>
         <a:cs typeface=""/>
         <a:font script="Jpan" typeface="メイリオ"/>
@@ -6498,7 +6609,7 @@
         <a:font script="Geor" typeface="Sylfaen"/>
       </a:majorFont>
       <a:minorFont>
-        <a:latin typeface="Trebuchet MS" panose="020B0603020202020204"/>
+        <a:latin typeface="Trebuchet MS"/>
         <a:ea typeface=""/>
         <a:cs typeface=""/>
         <a:font script="Jpan" typeface="メイリオ"/>
@@ -6671,7 +6782,7 @@
   <a:extraClrSchemeLst/>
   <a:extLst>
     <a:ext uri="{05A4C25C-085E-4340-85A3-A5531E510DB2}">
-      <thm15:themeFamily xmlns:thm15="http://schemas.microsoft.com/office/thememl/2012/main" name="Facet" id="{C0C680CD-088A-49FC-A102-D699147F32B2}" vid="{8C59B386-999D-4CB6-B907-9F3997C027CC}"/>
+      <thm15:themeFamily xmlns:thm15="http://schemas.microsoft.com/office/thememl/2012/main" xmlns="" name="Facet" id="{C0C680CD-088A-49FC-A102-D699147F32B2}" vid="{8C59B386-999D-4CB6-B907-9F3997C027CC}"/>
     </a:ext>
   </a:extLst>
 </a:theme>

--- a/DISA.pptx
+++ b/DISA.pptx
@@ -5762,53 +5762,107 @@
           <a:chExt cx="0" cy="0"/>
         </a:xfrm>
       </p:grpSpPr>
-      <p:sp>
-        <p:nvSpPr>
-          <p:cNvPr id="2" name="Title 1"/>
-          <p:cNvSpPr>
-            <a:spLocks noGrp="1"/>
-          </p:cNvSpPr>
-          <p:nvPr>
-            <p:ph type="ctrTitle"/>
-          </p:nvPr>
-        </p:nvSpPr>
+      <p:pic>
+        <p:nvPicPr>
+          <p:cNvPr id="7" name="Picture 6" descr="Stone Dust.jpg"/>
+          <p:cNvPicPr>
+            <a:picLocks noChangeAspect="1"/>
+          </p:cNvPicPr>
+          <p:nvPr/>
+        </p:nvPicPr>
+        <p:blipFill>
+          <a:blip r:embed="rId2"/>
+          <a:stretch>
+            <a:fillRect/>
+          </a:stretch>
+        </p:blipFill>
         <p:spPr>
           <a:xfrm>
-            <a:off x="1507067" y="2734886"/>
-            <a:ext cx="7766936" cy="1315949"/>
+            <a:off x="0" y="0"/>
+            <a:ext cx="12192000" cy="6858000"/>
+          </a:xfrm>
+          <a:prstGeom prst="rect">
+            <a:avLst/>
+          </a:prstGeom>
+        </p:spPr>
+      </p:pic>
+      <p:sp>
+        <p:nvSpPr>
+          <p:cNvPr id="4" name="Title 3"/>
+          <p:cNvSpPr>
+            <a:spLocks noGrp="1"/>
+          </p:cNvSpPr>
+          <p:nvPr>
+            <p:ph type="ctrTitle"/>
+          </p:nvPr>
+        </p:nvSpPr>
+        <p:spPr>
+          <a:xfrm>
+            <a:off x="0" y="0"/>
+            <a:ext cx="7850777" cy="1515291"/>
           </a:xfrm>
         </p:spPr>
         <p:txBody>
           <a:bodyPr/>
           <a:lstStyle/>
           <a:p>
-            <a:endParaRPr lang="en-US" dirty="0"/>
-          </a:p>
-        </p:txBody>
-      </p:sp>
-      <p:sp>
-        <p:nvSpPr>
-          <p:cNvPr id="3" name="Subtitle 2"/>
-          <p:cNvSpPr>
-            <a:spLocks noGrp="1"/>
-          </p:cNvSpPr>
-          <p:nvPr>
-            <p:ph type="subTitle" idx="1"/>
-          </p:nvPr>
-        </p:nvSpPr>
-        <p:spPr/>
-        <p:txBody>
-          <a:bodyPr/>
-          <a:lstStyle/>
-          <a:p>
-            <a:endParaRPr lang="en-US" dirty="0"/>
+            <a:pPr algn="l"/>
+            <a:r>
+              <a:rPr lang="en-US" dirty="0" smtClean="0"/>
+              <a:t/>
+            </a:r>
+            <a:br>
+              <a:rPr lang="en-US" dirty="0" smtClean="0"/>
+            </a:br>
+            <a:r>
+              <a:rPr lang="en-US" sz="4000" dirty="0" smtClean="0">
+                <a:solidFill>
+                  <a:schemeClr val="tx1"/>
+                </a:solidFill>
+                <a:effectLst>
+                  <a:outerShdw blurRad="38100" dist="38100" dir="2700000" algn="tl">
+                    <a:srgbClr val="000000">
+                      <a:alpha val="43137"/>
+                    </a:srgbClr>
+                  </a:outerShdw>
+                </a:effectLst>
+              </a:rPr>
+              <a:t>Prevention </a:t>
+            </a:r>
+            <a:r>
+              <a:rPr lang="en-US" sz="4000" dirty="0" smtClean="0">
+                <a:solidFill>
+                  <a:schemeClr val="tx1"/>
+                </a:solidFill>
+                <a:effectLst>
+                  <a:outerShdw blurRad="38100" dist="38100" dir="2700000" algn="tl">
+                    <a:srgbClr val="000000">
+                      <a:alpha val="43137"/>
+                    </a:srgbClr>
+                  </a:outerShdw>
+                </a:effectLst>
+              </a:rPr>
+              <a:t>of dust-inhalation among stone-cutter workers </a:t>
+            </a:r>
+            <a:endParaRPr lang="en-US" sz="4000" dirty="0">
+              <a:solidFill>
+                <a:schemeClr val="tx1"/>
+              </a:solidFill>
+              <a:effectLst>
+                <a:outerShdw blurRad="38100" dist="38100" dir="2700000" algn="tl">
+                  <a:srgbClr val="000000">
+                    <a:alpha val="43137"/>
+                  </a:srgbClr>
+                </a:outerShdw>
+              </a:effectLst>
+            </a:endParaRPr>
           </a:p>
         </p:txBody>
       </p:sp>
     </p:spTree>
     <p:extLst>
       <p:ext uri="{BB962C8B-B14F-4D97-AF65-F5344CB8AC3E}">
-        <p14:creationId xmlns:p14="http://schemas.microsoft.com/office/powerpoint/2010/main" xmlns="" val="2884547743"/>
+        <p14:creationId xmlns="" xmlns:p14="http://schemas.microsoft.com/office/powerpoint/2010/main" val="2884547743"/>
       </p:ext>
     </p:extLst>
   </p:cSld>
@@ -5877,13 +5931,13 @@
         </p:nvSpPr>
         <p:spPr>
           <a:xfrm>
-            <a:off x="272386" y="1541416"/>
-            <a:ext cx="7369386" cy="5316584"/>
+            <a:off x="233198" y="1306286"/>
+            <a:ext cx="7369386" cy="5551714"/>
           </a:xfrm>
         </p:spPr>
         <p:txBody>
           <a:bodyPr>
-            <a:normAutofit/>
+            <a:normAutofit lnSpcReduction="10000"/>
           </a:bodyPr>
           <a:lstStyle/>
           <a:p>
@@ -5891,7 +5945,6 @@
               <a:rPr lang="en-US" sz="2100" dirty="0" smtClean="0"/>
               <a:t>To stop the rapid advancement in the number of deaths among stone-quarry workers, caused by Silicosis.</a:t>
             </a:r>
-            <a:endParaRPr lang="en-US" sz="2100" dirty="0" smtClean="0"/>
           </a:p>
           <a:p>
             <a:r>
@@ -5963,11 +6016,7 @@
             </a:r>
             <a:r>
               <a:rPr lang="en-US" sz="2100" dirty="0" smtClean="0"/>
-              <a:t>which </a:t>
-            </a:r>
-            <a:r>
-              <a:rPr lang="en-US" sz="2100" dirty="0" smtClean="0"/>
-              <a:t>was </a:t>
+              <a:t>which was </a:t>
             </a:r>
             <a:r>
               <a:rPr lang="en-US" sz="2100" dirty="0"/>
@@ -5992,11 +6041,17 @@
           <a:p>
             <a:r>
               <a:rPr lang="en-IN" sz="2100" dirty="0" smtClean="0"/>
-              <a:t>To make the final product available to the workers at low cost so as to </a:t>
+              <a:t>To make the final product available to the workers at low cost so as to improve its </a:t>
             </a:r>
             <a:r>
               <a:rPr lang="en-IN" sz="2100" dirty="0" smtClean="0"/>
-              <a:t>improve its accessibility</a:t>
+              <a:t>accessibility</a:t>
+            </a:r>
+          </a:p>
+          <a:p>
+            <a:r>
+              <a:rPr lang="en-IN" sz="2100" dirty="0" smtClean="0"/>
+              <a:t>To make use of the silica dust which is produced in other applications, instead of letting it go to waste and polluting the environment.</a:t>
             </a:r>
             <a:endParaRPr lang="en-US" sz="2100" dirty="0" smtClean="0"/>
           </a:p>
@@ -6029,7 +6084,7 @@
     </p:spTree>
     <p:extLst>
       <p:ext uri="{BB962C8B-B14F-4D97-AF65-F5344CB8AC3E}">
-        <p14:creationId xmlns:p14="http://schemas.microsoft.com/office/powerpoint/2010/main" xmlns="" val="1794283146"/>
+        <p14:creationId xmlns="" xmlns:p14="http://schemas.microsoft.com/office/powerpoint/2010/main" val="1794283146"/>
       </p:ext>
     </p:extLst>
   </p:cSld>
@@ -6204,7 +6259,7 @@
     </p:spTree>
     <p:extLst>
       <p:ext uri="{BB962C8B-B14F-4D97-AF65-F5344CB8AC3E}">
-        <p14:creationId xmlns:p14="http://schemas.microsoft.com/office/powerpoint/2010/main" xmlns="" val="462520709"/>
+        <p14:creationId xmlns="" xmlns:p14="http://schemas.microsoft.com/office/powerpoint/2010/main" val="462520709"/>
       </p:ext>
     </p:extLst>
   </p:cSld>
@@ -6317,7 +6372,7 @@
     </p:spTree>
     <p:extLst>
       <p:ext uri="{BB962C8B-B14F-4D97-AF65-F5344CB8AC3E}">
-        <p14:creationId xmlns:p14="http://schemas.microsoft.com/office/powerpoint/2010/main" xmlns="" val="2455544752"/>
+        <p14:creationId xmlns="" xmlns:p14="http://schemas.microsoft.com/office/powerpoint/2010/main" val="2455544752"/>
       </p:ext>
     </p:extLst>
   </p:cSld>
@@ -6423,7 +6478,7 @@
     </p:spTree>
     <p:extLst>
       <p:ext uri="{BB962C8B-B14F-4D97-AF65-F5344CB8AC3E}">
-        <p14:creationId xmlns:p14="http://schemas.microsoft.com/office/powerpoint/2010/main" xmlns="" val="1459761504"/>
+        <p14:creationId xmlns="" xmlns:p14="http://schemas.microsoft.com/office/powerpoint/2010/main" val="1459761504"/>
       </p:ext>
     </p:extLst>
   </p:cSld>
@@ -6521,7 +6576,7 @@
     </p:spTree>
     <p:extLst>
       <p:ext uri="{BB962C8B-B14F-4D97-AF65-F5344CB8AC3E}">
-        <p14:creationId xmlns:p14="http://schemas.microsoft.com/office/powerpoint/2010/main" xmlns="" val="1182073317"/>
+        <p14:creationId xmlns="" xmlns:p14="http://schemas.microsoft.com/office/powerpoint/2010/main" val="1182073317"/>
       </p:ext>
     </p:extLst>
   </p:cSld>
@@ -6782,7 +6837,7 @@
   <a:extraClrSchemeLst/>
   <a:extLst>
     <a:ext uri="{05A4C25C-085E-4340-85A3-A5531E510DB2}">
-      <thm15:themeFamily xmlns:thm15="http://schemas.microsoft.com/office/thememl/2012/main" xmlns="" name="Facet" id="{C0C680CD-088A-49FC-A102-D699147F32B2}" vid="{8C59B386-999D-4CB6-B907-9F3997C027CC}"/>
+      <thm15:themeFamily xmlns="" xmlns:thm15="http://schemas.microsoft.com/office/thememl/2012/main" name="Facet" id="{C0C680CD-088A-49FC-A102-D699147F32B2}" vid="{8C59B386-999D-4CB6-B907-9F3997C027CC}"/>
     </a:ext>
   </a:extLst>
 </a:theme>
